--- a/FTC/2020/All About Auto.pptx
+++ b/FTC/2020/All About Auto.pptx
@@ -5,13 +5,28 @@
     <p:sldMasterId id="2147483648" r:id="rId1"/>
   </p:sldMasterIdLst>
   <p:notesMasterIdLst>
-    <p:notesMasterId r:id="rId6"/>
+    <p:notesMasterId r:id="rId21"/>
   </p:notesMasterIdLst>
   <p:sldIdLst>
     <p:sldId id="256" r:id="rId2"/>
     <p:sldId id="257" r:id="rId3"/>
     <p:sldId id="259" r:id="rId4"/>
-    <p:sldId id="258" r:id="rId5"/>
+    <p:sldId id="263" r:id="rId5"/>
+    <p:sldId id="265" r:id="rId6"/>
+    <p:sldId id="260" r:id="rId7"/>
+    <p:sldId id="261" r:id="rId8"/>
+    <p:sldId id="262" r:id="rId9"/>
+    <p:sldId id="264" r:id="rId10"/>
+    <p:sldId id="266" r:id="rId11"/>
+    <p:sldId id="267" r:id="rId12"/>
+    <p:sldId id="268" r:id="rId13"/>
+    <p:sldId id="258" r:id="rId14"/>
+    <p:sldId id="269" r:id="rId15"/>
+    <p:sldId id="270" r:id="rId16"/>
+    <p:sldId id="271" r:id="rId17"/>
+    <p:sldId id="272" r:id="rId18"/>
+    <p:sldId id="273" r:id="rId19"/>
+    <p:sldId id="274" r:id="rId20"/>
   </p:sldIdLst>
   <p:sldSz cx="12192000" cy="6858000"/>
   <p:notesSz cx="6858000" cy="9144000"/>
@@ -13751,6 +13766,1443 @@
 </p:sld>
 </file>
 
+<file path=ppt/slides/slide10.xml><?xml version="1.0" encoding="utf-8"?>
+<p:sld xmlns:a="http://schemas.openxmlformats.org/drawingml/2006/main" xmlns:r="http://schemas.openxmlformats.org/officeDocument/2006/relationships" xmlns:p="http://schemas.openxmlformats.org/presentationml/2006/main">
+  <p:cSld>
+    <p:spTree>
+      <p:nvGrpSpPr>
+        <p:cNvPr id="1" name=""/>
+        <p:cNvGrpSpPr/>
+        <p:nvPr/>
+      </p:nvGrpSpPr>
+      <p:grpSpPr>
+        <a:xfrm>
+          <a:off x="0" y="0"/>
+          <a:ext cx="0" cy="0"/>
+          <a:chOff x="0" y="0"/>
+          <a:chExt cx="0" cy="0"/>
+        </a:xfrm>
+      </p:grpSpPr>
+      <p:sp>
+        <p:nvSpPr>
+          <p:cNvPr id="2" name="Title 1">
+            <a:extLst>
+              <a:ext uri="{FF2B5EF4-FFF2-40B4-BE49-F238E27FC236}">
+                <a16:creationId xmlns:a16="http://schemas.microsoft.com/office/drawing/2014/main" id="{CC4A3FAA-0E02-4277-9A18-5E14BC20FA27}"/>
+              </a:ext>
+            </a:extLst>
+          </p:cNvPr>
+          <p:cNvSpPr>
+            <a:spLocks noGrp="1"/>
+          </p:cNvSpPr>
+          <p:nvPr>
+            <p:ph type="title"/>
+          </p:nvPr>
+        </p:nvSpPr>
+        <p:spPr/>
+        <p:txBody>
+          <a:bodyPr/>
+          <a:lstStyle/>
+          <a:p>
+            <a:r>
+              <a:rPr lang="en-US" dirty="0"/>
+              <a:t>C</a:t>
+            </a:r>
+            <a:r>
+              <a:rPr lang="en-US" sz="3600" dirty="0"/>
+              <a:t>ut and paste</a:t>
+            </a:r>
+          </a:p>
+        </p:txBody>
+      </p:sp>
+      <p:sp>
+        <p:nvSpPr>
+          <p:cNvPr id="3" name="Content Placeholder 2">
+            <a:extLst>
+              <a:ext uri="{FF2B5EF4-FFF2-40B4-BE49-F238E27FC236}">
+                <a16:creationId xmlns:a16="http://schemas.microsoft.com/office/drawing/2014/main" id="{B50147CF-DAA8-4BEB-A969-D6D9FECE042F}"/>
+              </a:ext>
+            </a:extLst>
+          </p:cNvPr>
+          <p:cNvSpPr>
+            <a:spLocks noGrp="1"/>
+          </p:cNvSpPr>
+          <p:nvPr>
+            <p:ph idx="1"/>
+          </p:nvPr>
+        </p:nvSpPr>
+        <p:spPr>
+          <a:xfrm>
+            <a:off x="1154955" y="2603500"/>
+            <a:ext cx="3512296" cy="3416300"/>
+          </a:xfrm>
+        </p:spPr>
+        <p:txBody>
+          <a:bodyPr>
+            <a:normAutofit/>
+          </a:bodyPr>
+          <a:lstStyle/>
+          <a:p>
+            <a:r>
+              <a:rPr lang="en-US" sz="3200" dirty="0"/>
+              <a:t>When you select the new program, you get a short piece of code.</a:t>
+            </a:r>
+          </a:p>
+          <a:p>
+            <a:endParaRPr lang="en-US" sz="3200" dirty="0"/>
+          </a:p>
+          <a:p>
+            <a:endParaRPr lang="en-US" sz="3200" dirty="0"/>
+          </a:p>
+        </p:txBody>
+      </p:sp>
+      <p:sp>
+        <p:nvSpPr>
+          <p:cNvPr id="5" name="Footer Placeholder 4">
+            <a:extLst>
+              <a:ext uri="{FF2B5EF4-FFF2-40B4-BE49-F238E27FC236}">
+                <a16:creationId xmlns:a16="http://schemas.microsoft.com/office/drawing/2014/main" id="{1209DE18-B503-447F-B441-01DF56C608A2}"/>
+              </a:ext>
+            </a:extLst>
+          </p:cNvPr>
+          <p:cNvSpPr>
+            <a:spLocks noGrp="1"/>
+          </p:cNvSpPr>
+          <p:nvPr>
+            <p:ph type="ftr" sz="quarter" idx="11"/>
+          </p:nvPr>
+        </p:nvSpPr>
+        <p:spPr>
+          <a:xfrm>
+            <a:off x="561109" y="6220691"/>
+            <a:ext cx="9941173" cy="374074"/>
+          </a:xfrm>
+        </p:spPr>
+        <p:txBody>
+          <a:bodyPr/>
+          <a:lstStyle/>
+          <a:p>
+            <a:r>
+              <a:rPr lang="en-US" sz="2400" dirty="0">
+                <a:solidFill>
+                  <a:schemeClr val="tx1"/>
+                </a:solidFill>
+              </a:rPr>
+              <a:t>https://github.com/JimWright4089/FIRSTWorkshops/FTC/2020</a:t>
+            </a:r>
+          </a:p>
+        </p:txBody>
+      </p:sp>
+      <p:pic>
+        <p:nvPicPr>
+          <p:cNvPr id="7" name="Picture 6">
+            <a:extLst>
+              <a:ext uri="{FF2B5EF4-FFF2-40B4-BE49-F238E27FC236}">
+                <a16:creationId xmlns:a16="http://schemas.microsoft.com/office/drawing/2014/main" id="{F0B7B46F-0A3E-43CD-AAC5-033165DD461E}"/>
+              </a:ext>
+            </a:extLst>
+          </p:cNvPr>
+          <p:cNvPicPr>
+            <a:picLocks noChangeAspect="1"/>
+          </p:cNvPicPr>
+          <p:nvPr/>
+        </p:nvPicPr>
+        <p:blipFill>
+          <a:blip r:embed="rId2"/>
+          <a:stretch>
+            <a:fillRect/>
+          </a:stretch>
+        </p:blipFill>
+        <p:spPr>
+          <a:xfrm>
+            <a:off x="5531695" y="2483811"/>
+            <a:ext cx="5591175" cy="2933700"/>
+          </a:xfrm>
+          <a:prstGeom prst="rect">
+            <a:avLst/>
+          </a:prstGeom>
+        </p:spPr>
+      </p:pic>
+    </p:spTree>
+    <p:extLst>
+      <p:ext uri="{BB962C8B-B14F-4D97-AF65-F5344CB8AC3E}">
+        <p14:creationId xmlns:p14="http://schemas.microsoft.com/office/powerpoint/2010/main" val="2557433429"/>
+      </p:ext>
+    </p:extLst>
+  </p:cSld>
+  <p:clrMapOvr>
+    <a:masterClrMapping/>
+  </p:clrMapOvr>
+</p:sld>
+</file>
+
+<file path=ppt/slides/slide11.xml><?xml version="1.0" encoding="utf-8"?>
+<p:sld xmlns:a="http://schemas.openxmlformats.org/drawingml/2006/main" xmlns:r="http://schemas.openxmlformats.org/officeDocument/2006/relationships" xmlns:p="http://schemas.openxmlformats.org/presentationml/2006/main">
+  <p:cSld>
+    <p:spTree>
+      <p:nvGrpSpPr>
+        <p:cNvPr id="1" name=""/>
+        <p:cNvGrpSpPr/>
+        <p:nvPr/>
+      </p:nvGrpSpPr>
+      <p:grpSpPr>
+        <a:xfrm>
+          <a:off x="0" y="0"/>
+          <a:ext cx="0" cy="0"/>
+          <a:chOff x="0" y="0"/>
+          <a:chExt cx="0" cy="0"/>
+        </a:xfrm>
+      </p:grpSpPr>
+      <p:sp>
+        <p:nvSpPr>
+          <p:cNvPr id="2" name="Title 1">
+            <a:extLst>
+              <a:ext uri="{FF2B5EF4-FFF2-40B4-BE49-F238E27FC236}">
+                <a16:creationId xmlns:a16="http://schemas.microsoft.com/office/drawing/2014/main" id="{CC4A3FAA-0E02-4277-9A18-5E14BC20FA27}"/>
+              </a:ext>
+            </a:extLst>
+          </p:cNvPr>
+          <p:cNvSpPr>
+            <a:spLocks noGrp="1"/>
+          </p:cNvSpPr>
+          <p:nvPr>
+            <p:ph type="title"/>
+          </p:nvPr>
+        </p:nvSpPr>
+        <p:spPr/>
+        <p:txBody>
+          <a:bodyPr/>
+          <a:lstStyle/>
+          <a:p>
+            <a:r>
+              <a:rPr lang="en-US" dirty="0"/>
+              <a:t>C</a:t>
+            </a:r>
+            <a:r>
+              <a:rPr lang="en-US" sz="3600" dirty="0"/>
+              <a:t>ut and paste</a:t>
+            </a:r>
+          </a:p>
+        </p:txBody>
+      </p:sp>
+      <p:sp>
+        <p:nvSpPr>
+          <p:cNvPr id="3" name="Content Placeholder 2">
+            <a:extLst>
+              <a:ext uri="{FF2B5EF4-FFF2-40B4-BE49-F238E27FC236}">
+                <a16:creationId xmlns:a16="http://schemas.microsoft.com/office/drawing/2014/main" id="{B50147CF-DAA8-4BEB-A969-D6D9FECE042F}"/>
+              </a:ext>
+            </a:extLst>
+          </p:cNvPr>
+          <p:cNvSpPr>
+            <a:spLocks noGrp="1"/>
+          </p:cNvSpPr>
+          <p:nvPr>
+            <p:ph idx="1"/>
+          </p:nvPr>
+        </p:nvSpPr>
+        <p:spPr>
+          <a:xfrm>
+            <a:off x="1154955" y="2603500"/>
+            <a:ext cx="3312270" cy="3416300"/>
+          </a:xfrm>
+        </p:spPr>
+        <p:txBody>
+          <a:bodyPr>
+            <a:normAutofit/>
+          </a:bodyPr>
+          <a:lstStyle/>
+          <a:p>
+            <a:r>
+              <a:rPr lang="en-US" sz="3200" dirty="0"/>
+              <a:t>Go to the </a:t>
+            </a:r>
+            <a:r>
+              <a:rPr lang="en-US" sz="3200" dirty="0" err="1"/>
+              <a:t>github</a:t>
+            </a:r>
+            <a:r>
+              <a:rPr lang="en-US" sz="3200" dirty="0"/>
+              <a:t> source, and hit the Raw button</a:t>
+            </a:r>
+          </a:p>
+          <a:p>
+            <a:endParaRPr lang="en-US" sz="3200" dirty="0"/>
+          </a:p>
+          <a:p>
+            <a:endParaRPr lang="en-US" sz="3200" dirty="0"/>
+          </a:p>
+        </p:txBody>
+      </p:sp>
+      <p:sp>
+        <p:nvSpPr>
+          <p:cNvPr id="5" name="Footer Placeholder 4">
+            <a:extLst>
+              <a:ext uri="{FF2B5EF4-FFF2-40B4-BE49-F238E27FC236}">
+                <a16:creationId xmlns:a16="http://schemas.microsoft.com/office/drawing/2014/main" id="{1209DE18-B503-447F-B441-01DF56C608A2}"/>
+              </a:ext>
+            </a:extLst>
+          </p:cNvPr>
+          <p:cNvSpPr>
+            <a:spLocks noGrp="1"/>
+          </p:cNvSpPr>
+          <p:nvPr>
+            <p:ph type="ftr" sz="quarter" idx="11"/>
+          </p:nvPr>
+        </p:nvSpPr>
+        <p:spPr>
+          <a:xfrm>
+            <a:off x="561109" y="6220691"/>
+            <a:ext cx="9941173" cy="374074"/>
+          </a:xfrm>
+        </p:spPr>
+        <p:txBody>
+          <a:bodyPr/>
+          <a:lstStyle/>
+          <a:p>
+            <a:r>
+              <a:rPr lang="en-US" sz="2400" dirty="0">
+                <a:solidFill>
+                  <a:schemeClr val="tx1"/>
+                </a:solidFill>
+              </a:rPr>
+              <a:t>https://github.com/JimWright4089/FIRSTWorkshops/FTC/2020</a:t>
+            </a:r>
+          </a:p>
+        </p:txBody>
+      </p:sp>
+      <p:pic>
+        <p:nvPicPr>
+          <p:cNvPr id="6" name="Picture 5">
+            <a:extLst>
+              <a:ext uri="{FF2B5EF4-FFF2-40B4-BE49-F238E27FC236}">
+                <a16:creationId xmlns:a16="http://schemas.microsoft.com/office/drawing/2014/main" id="{0F84769B-2FFF-4DD2-85B0-78BDA6A43A90}"/>
+              </a:ext>
+            </a:extLst>
+          </p:cNvPr>
+          <p:cNvPicPr>
+            <a:picLocks noChangeAspect="1"/>
+          </p:cNvPicPr>
+          <p:nvPr/>
+        </p:nvPicPr>
+        <p:blipFill>
+          <a:blip r:embed="rId2"/>
+          <a:stretch>
+            <a:fillRect/>
+          </a:stretch>
+        </p:blipFill>
+        <p:spPr>
+          <a:xfrm>
+            <a:off x="4557712" y="2026611"/>
+            <a:ext cx="7800975" cy="3848100"/>
+          </a:xfrm>
+          <a:prstGeom prst="rect">
+            <a:avLst/>
+          </a:prstGeom>
+        </p:spPr>
+      </p:pic>
+    </p:spTree>
+    <p:extLst>
+      <p:ext uri="{BB962C8B-B14F-4D97-AF65-F5344CB8AC3E}">
+        <p14:creationId xmlns:p14="http://schemas.microsoft.com/office/powerpoint/2010/main" val="270799983"/>
+      </p:ext>
+    </p:extLst>
+  </p:cSld>
+  <p:clrMapOvr>
+    <a:masterClrMapping/>
+  </p:clrMapOvr>
+</p:sld>
+</file>
+
+<file path=ppt/slides/slide12.xml><?xml version="1.0" encoding="utf-8"?>
+<p:sld xmlns:a="http://schemas.openxmlformats.org/drawingml/2006/main" xmlns:r="http://schemas.openxmlformats.org/officeDocument/2006/relationships" xmlns:p="http://schemas.openxmlformats.org/presentationml/2006/main">
+  <p:cSld>
+    <p:spTree>
+      <p:nvGrpSpPr>
+        <p:cNvPr id="1" name=""/>
+        <p:cNvGrpSpPr/>
+        <p:nvPr/>
+      </p:nvGrpSpPr>
+      <p:grpSpPr>
+        <a:xfrm>
+          <a:off x="0" y="0"/>
+          <a:ext cx="0" cy="0"/>
+          <a:chOff x="0" y="0"/>
+          <a:chExt cx="0" cy="0"/>
+        </a:xfrm>
+      </p:grpSpPr>
+      <p:sp>
+        <p:nvSpPr>
+          <p:cNvPr id="2" name="Title 1">
+            <a:extLst>
+              <a:ext uri="{FF2B5EF4-FFF2-40B4-BE49-F238E27FC236}">
+                <a16:creationId xmlns:a16="http://schemas.microsoft.com/office/drawing/2014/main" id="{CC4A3FAA-0E02-4277-9A18-5E14BC20FA27}"/>
+              </a:ext>
+            </a:extLst>
+          </p:cNvPr>
+          <p:cNvSpPr>
+            <a:spLocks noGrp="1"/>
+          </p:cNvSpPr>
+          <p:nvPr>
+            <p:ph type="title"/>
+          </p:nvPr>
+        </p:nvSpPr>
+        <p:spPr/>
+        <p:txBody>
+          <a:bodyPr/>
+          <a:lstStyle/>
+          <a:p>
+            <a:r>
+              <a:rPr lang="en-US" dirty="0"/>
+              <a:t>C</a:t>
+            </a:r>
+            <a:r>
+              <a:rPr lang="en-US" sz="3600" dirty="0"/>
+              <a:t>ut and paste</a:t>
+            </a:r>
+          </a:p>
+        </p:txBody>
+      </p:sp>
+      <p:sp>
+        <p:nvSpPr>
+          <p:cNvPr id="3" name="Content Placeholder 2">
+            <a:extLst>
+              <a:ext uri="{FF2B5EF4-FFF2-40B4-BE49-F238E27FC236}">
+                <a16:creationId xmlns:a16="http://schemas.microsoft.com/office/drawing/2014/main" id="{B50147CF-DAA8-4BEB-A969-D6D9FECE042F}"/>
+              </a:ext>
+            </a:extLst>
+          </p:cNvPr>
+          <p:cNvSpPr>
+            <a:spLocks noGrp="1"/>
+          </p:cNvSpPr>
+          <p:nvPr>
+            <p:ph idx="1"/>
+          </p:nvPr>
+        </p:nvSpPr>
+        <p:spPr>
+          <a:xfrm>
+            <a:off x="1154955" y="2603500"/>
+            <a:ext cx="3312270" cy="3416300"/>
+          </a:xfrm>
+        </p:spPr>
+        <p:txBody>
+          <a:bodyPr>
+            <a:normAutofit fontScale="92500" lnSpcReduction="20000"/>
+          </a:bodyPr>
+          <a:lstStyle/>
+          <a:p>
+            <a:r>
+              <a:rPr lang="en-US" sz="3200" dirty="0"/>
+              <a:t>Now you can CTRL-A, </a:t>
+            </a:r>
+          </a:p>
+          <a:p>
+            <a:r>
+              <a:rPr lang="en-US" sz="3200" dirty="0"/>
+              <a:t>CTRL-C to get the code.</a:t>
+            </a:r>
+          </a:p>
+          <a:p>
+            <a:r>
+              <a:rPr lang="en-US" sz="3200" dirty="0"/>
+              <a:t>Then CTRL-V into the </a:t>
+            </a:r>
+            <a:r>
+              <a:rPr lang="en-US" sz="3200" dirty="0" err="1"/>
+              <a:t>onblock</a:t>
+            </a:r>
+            <a:r>
+              <a:rPr lang="en-US" sz="3200" dirty="0"/>
+              <a:t> source file.</a:t>
+            </a:r>
+          </a:p>
+          <a:p>
+            <a:endParaRPr lang="en-US" sz="3200" dirty="0"/>
+          </a:p>
+          <a:p>
+            <a:endParaRPr lang="en-US" sz="3200" dirty="0"/>
+          </a:p>
+        </p:txBody>
+      </p:sp>
+      <p:sp>
+        <p:nvSpPr>
+          <p:cNvPr id="5" name="Footer Placeholder 4">
+            <a:extLst>
+              <a:ext uri="{FF2B5EF4-FFF2-40B4-BE49-F238E27FC236}">
+                <a16:creationId xmlns:a16="http://schemas.microsoft.com/office/drawing/2014/main" id="{1209DE18-B503-447F-B441-01DF56C608A2}"/>
+              </a:ext>
+            </a:extLst>
+          </p:cNvPr>
+          <p:cNvSpPr>
+            <a:spLocks noGrp="1"/>
+          </p:cNvSpPr>
+          <p:nvPr>
+            <p:ph type="ftr" sz="quarter" idx="11"/>
+          </p:nvPr>
+        </p:nvSpPr>
+        <p:spPr>
+          <a:xfrm>
+            <a:off x="561109" y="6220691"/>
+            <a:ext cx="9941173" cy="374074"/>
+          </a:xfrm>
+        </p:spPr>
+        <p:txBody>
+          <a:bodyPr/>
+          <a:lstStyle/>
+          <a:p>
+            <a:r>
+              <a:rPr lang="en-US" sz="2400" dirty="0">
+                <a:solidFill>
+                  <a:schemeClr val="tx1"/>
+                </a:solidFill>
+              </a:rPr>
+              <a:t>https://github.com/JimWright4089/FIRSTWorkshops/FTC/2020</a:t>
+            </a:r>
+          </a:p>
+        </p:txBody>
+      </p:sp>
+      <p:pic>
+        <p:nvPicPr>
+          <p:cNvPr id="7" name="Picture 6">
+            <a:extLst>
+              <a:ext uri="{FF2B5EF4-FFF2-40B4-BE49-F238E27FC236}">
+                <a16:creationId xmlns:a16="http://schemas.microsoft.com/office/drawing/2014/main" id="{C45E928A-40A0-4419-A64D-50FA5989EF8A}"/>
+              </a:ext>
+            </a:extLst>
+          </p:cNvPr>
+          <p:cNvPicPr>
+            <a:picLocks noChangeAspect="1"/>
+          </p:cNvPicPr>
+          <p:nvPr/>
+        </p:nvPicPr>
+        <p:blipFill>
+          <a:blip r:embed="rId2"/>
+          <a:stretch>
+            <a:fillRect/>
+          </a:stretch>
+        </p:blipFill>
+        <p:spPr>
+          <a:xfrm>
+            <a:off x="4225403" y="2107670"/>
+            <a:ext cx="7676084" cy="3776662"/>
+          </a:xfrm>
+          <a:prstGeom prst="rect">
+            <a:avLst/>
+          </a:prstGeom>
+        </p:spPr>
+      </p:pic>
+    </p:spTree>
+    <p:extLst>
+      <p:ext uri="{BB962C8B-B14F-4D97-AF65-F5344CB8AC3E}">
+        <p14:creationId xmlns:p14="http://schemas.microsoft.com/office/powerpoint/2010/main" val="1385372755"/>
+      </p:ext>
+    </p:extLst>
+  </p:cSld>
+  <p:clrMapOvr>
+    <a:masterClrMapping/>
+  </p:clrMapOvr>
+</p:sld>
+</file>
+
+<file path=ppt/slides/slide13.xml><?xml version="1.0" encoding="utf-8"?>
+<p:sld xmlns:a="http://schemas.openxmlformats.org/drawingml/2006/main" xmlns:r="http://schemas.openxmlformats.org/officeDocument/2006/relationships" xmlns:p="http://schemas.openxmlformats.org/presentationml/2006/main">
+  <p:cSld>
+    <p:spTree>
+      <p:nvGrpSpPr>
+        <p:cNvPr id="1" name=""/>
+        <p:cNvGrpSpPr/>
+        <p:nvPr/>
+      </p:nvGrpSpPr>
+      <p:grpSpPr>
+        <a:xfrm>
+          <a:off x="0" y="0"/>
+          <a:ext cx="0" cy="0"/>
+          <a:chOff x="0" y="0"/>
+          <a:chExt cx="0" cy="0"/>
+        </a:xfrm>
+      </p:grpSpPr>
+      <p:sp>
+        <p:nvSpPr>
+          <p:cNvPr id="2" name="Title 1">
+            <a:extLst>
+              <a:ext uri="{FF2B5EF4-FFF2-40B4-BE49-F238E27FC236}">
+                <a16:creationId xmlns:a16="http://schemas.microsoft.com/office/drawing/2014/main" id="{CC4A3FAA-0E02-4277-9A18-5E14BC20FA27}"/>
+              </a:ext>
+            </a:extLst>
+          </p:cNvPr>
+          <p:cNvSpPr>
+            <a:spLocks noGrp="1"/>
+          </p:cNvSpPr>
+          <p:nvPr>
+            <p:ph type="title"/>
+          </p:nvPr>
+        </p:nvSpPr>
+        <p:spPr/>
+        <p:txBody>
+          <a:bodyPr/>
+          <a:lstStyle/>
+          <a:p>
+            <a:r>
+              <a:rPr lang="en-US" dirty="0"/>
+              <a:t>State Machine 01</a:t>
+            </a:r>
+          </a:p>
+        </p:txBody>
+      </p:sp>
+      <p:sp>
+        <p:nvSpPr>
+          <p:cNvPr id="3" name="Content Placeholder 2">
+            <a:extLst>
+              <a:ext uri="{FF2B5EF4-FFF2-40B4-BE49-F238E27FC236}">
+                <a16:creationId xmlns:a16="http://schemas.microsoft.com/office/drawing/2014/main" id="{B50147CF-DAA8-4BEB-A969-D6D9FECE042F}"/>
+              </a:ext>
+            </a:extLst>
+          </p:cNvPr>
+          <p:cNvSpPr>
+            <a:spLocks noGrp="1"/>
+          </p:cNvSpPr>
+          <p:nvPr>
+            <p:ph idx="1"/>
+          </p:nvPr>
+        </p:nvSpPr>
+        <p:spPr/>
+        <p:txBody>
+          <a:bodyPr>
+            <a:normAutofit/>
+          </a:bodyPr>
+          <a:lstStyle/>
+          <a:p>
+            <a:r>
+              <a:rPr lang="en-US" sz="3200" dirty="0"/>
+              <a:t>See source and talk about</a:t>
+            </a:r>
+          </a:p>
+        </p:txBody>
+      </p:sp>
+      <p:sp>
+        <p:nvSpPr>
+          <p:cNvPr id="5" name="Footer Placeholder 4">
+            <a:extLst>
+              <a:ext uri="{FF2B5EF4-FFF2-40B4-BE49-F238E27FC236}">
+                <a16:creationId xmlns:a16="http://schemas.microsoft.com/office/drawing/2014/main" id="{1209DE18-B503-447F-B441-01DF56C608A2}"/>
+              </a:ext>
+            </a:extLst>
+          </p:cNvPr>
+          <p:cNvSpPr>
+            <a:spLocks noGrp="1"/>
+          </p:cNvSpPr>
+          <p:nvPr>
+            <p:ph type="ftr" sz="quarter" idx="11"/>
+          </p:nvPr>
+        </p:nvSpPr>
+        <p:spPr>
+          <a:xfrm>
+            <a:off x="561109" y="6220691"/>
+            <a:ext cx="9941173" cy="374074"/>
+          </a:xfrm>
+        </p:spPr>
+        <p:txBody>
+          <a:bodyPr/>
+          <a:lstStyle/>
+          <a:p>
+            <a:r>
+              <a:rPr lang="en-US" sz="2400" dirty="0">
+                <a:solidFill>
+                  <a:schemeClr val="tx1"/>
+                </a:solidFill>
+              </a:rPr>
+              <a:t>https://github.com/JimWright4089/FIRSTWorkshops/FTC/2020</a:t>
+            </a:r>
+          </a:p>
+        </p:txBody>
+      </p:sp>
+    </p:spTree>
+    <p:extLst>
+      <p:ext uri="{BB962C8B-B14F-4D97-AF65-F5344CB8AC3E}">
+        <p14:creationId xmlns:p14="http://schemas.microsoft.com/office/powerpoint/2010/main" val="3323248534"/>
+      </p:ext>
+    </p:extLst>
+  </p:cSld>
+  <p:clrMapOvr>
+    <a:masterClrMapping/>
+  </p:clrMapOvr>
+</p:sld>
+</file>
+
+<file path=ppt/slides/slide14.xml><?xml version="1.0" encoding="utf-8"?>
+<p:sld xmlns:a="http://schemas.openxmlformats.org/drawingml/2006/main" xmlns:r="http://schemas.openxmlformats.org/officeDocument/2006/relationships" xmlns:p="http://schemas.openxmlformats.org/presentationml/2006/main">
+  <p:cSld>
+    <p:spTree>
+      <p:nvGrpSpPr>
+        <p:cNvPr id="1" name=""/>
+        <p:cNvGrpSpPr/>
+        <p:nvPr/>
+      </p:nvGrpSpPr>
+      <p:grpSpPr>
+        <a:xfrm>
+          <a:off x="0" y="0"/>
+          <a:ext cx="0" cy="0"/>
+          <a:chOff x="0" y="0"/>
+          <a:chExt cx="0" cy="0"/>
+        </a:xfrm>
+      </p:grpSpPr>
+      <p:sp>
+        <p:nvSpPr>
+          <p:cNvPr id="2" name="Title 1">
+            <a:extLst>
+              <a:ext uri="{FF2B5EF4-FFF2-40B4-BE49-F238E27FC236}">
+                <a16:creationId xmlns:a16="http://schemas.microsoft.com/office/drawing/2014/main" id="{CC4A3FAA-0E02-4277-9A18-5E14BC20FA27}"/>
+              </a:ext>
+            </a:extLst>
+          </p:cNvPr>
+          <p:cNvSpPr>
+            <a:spLocks noGrp="1"/>
+          </p:cNvSpPr>
+          <p:nvPr>
+            <p:ph type="title"/>
+          </p:nvPr>
+        </p:nvSpPr>
+        <p:spPr/>
+        <p:txBody>
+          <a:bodyPr/>
+          <a:lstStyle/>
+          <a:p>
+            <a:r>
+              <a:rPr lang="en-US" dirty="0"/>
+              <a:t>State Machine 02</a:t>
+            </a:r>
+          </a:p>
+        </p:txBody>
+      </p:sp>
+      <p:sp>
+        <p:nvSpPr>
+          <p:cNvPr id="3" name="Content Placeholder 2">
+            <a:extLst>
+              <a:ext uri="{FF2B5EF4-FFF2-40B4-BE49-F238E27FC236}">
+                <a16:creationId xmlns:a16="http://schemas.microsoft.com/office/drawing/2014/main" id="{B50147CF-DAA8-4BEB-A969-D6D9FECE042F}"/>
+              </a:ext>
+            </a:extLst>
+          </p:cNvPr>
+          <p:cNvSpPr>
+            <a:spLocks noGrp="1"/>
+          </p:cNvSpPr>
+          <p:nvPr>
+            <p:ph idx="1"/>
+          </p:nvPr>
+        </p:nvSpPr>
+        <p:spPr/>
+        <p:txBody>
+          <a:bodyPr>
+            <a:normAutofit/>
+          </a:bodyPr>
+          <a:lstStyle/>
+          <a:p>
+            <a:r>
+              <a:rPr lang="en-US" sz="3200" dirty="0"/>
+              <a:t>See source and talk about source and </a:t>
+            </a:r>
+            <a:r>
+              <a:rPr lang="en-US" sz="3200" dirty="0" err="1"/>
+              <a:t>StopWatch</a:t>
+            </a:r>
+            <a:endParaRPr lang="en-US" sz="3200" dirty="0"/>
+          </a:p>
+        </p:txBody>
+      </p:sp>
+      <p:sp>
+        <p:nvSpPr>
+          <p:cNvPr id="5" name="Footer Placeholder 4">
+            <a:extLst>
+              <a:ext uri="{FF2B5EF4-FFF2-40B4-BE49-F238E27FC236}">
+                <a16:creationId xmlns:a16="http://schemas.microsoft.com/office/drawing/2014/main" id="{1209DE18-B503-447F-B441-01DF56C608A2}"/>
+              </a:ext>
+            </a:extLst>
+          </p:cNvPr>
+          <p:cNvSpPr>
+            <a:spLocks noGrp="1"/>
+          </p:cNvSpPr>
+          <p:nvPr>
+            <p:ph type="ftr" sz="quarter" idx="11"/>
+          </p:nvPr>
+        </p:nvSpPr>
+        <p:spPr>
+          <a:xfrm>
+            <a:off x="561109" y="6220691"/>
+            <a:ext cx="9941173" cy="374074"/>
+          </a:xfrm>
+        </p:spPr>
+        <p:txBody>
+          <a:bodyPr/>
+          <a:lstStyle/>
+          <a:p>
+            <a:r>
+              <a:rPr lang="en-US" sz="2400" dirty="0">
+                <a:solidFill>
+                  <a:schemeClr val="tx1"/>
+                </a:solidFill>
+              </a:rPr>
+              <a:t>https://github.com/JimWright4089/FIRSTWorkshops/FTC/2020</a:t>
+            </a:r>
+          </a:p>
+        </p:txBody>
+      </p:sp>
+    </p:spTree>
+    <p:extLst>
+      <p:ext uri="{BB962C8B-B14F-4D97-AF65-F5344CB8AC3E}">
+        <p14:creationId xmlns:p14="http://schemas.microsoft.com/office/powerpoint/2010/main" val="2522546979"/>
+      </p:ext>
+    </p:extLst>
+  </p:cSld>
+  <p:clrMapOvr>
+    <a:masterClrMapping/>
+  </p:clrMapOvr>
+</p:sld>
+</file>
+
+<file path=ppt/slides/slide15.xml><?xml version="1.0" encoding="utf-8"?>
+<p:sld xmlns:a="http://schemas.openxmlformats.org/drawingml/2006/main" xmlns:r="http://schemas.openxmlformats.org/officeDocument/2006/relationships" xmlns:p="http://schemas.openxmlformats.org/presentationml/2006/main">
+  <p:cSld>
+    <p:spTree>
+      <p:nvGrpSpPr>
+        <p:cNvPr id="1" name=""/>
+        <p:cNvGrpSpPr/>
+        <p:nvPr/>
+      </p:nvGrpSpPr>
+      <p:grpSpPr>
+        <a:xfrm>
+          <a:off x="0" y="0"/>
+          <a:ext cx="0" cy="0"/>
+          <a:chOff x="0" y="0"/>
+          <a:chExt cx="0" cy="0"/>
+        </a:xfrm>
+      </p:grpSpPr>
+      <p:sp>
+        <p:nvSpPr>
+          <p:cNvPr id="2" name="Title 1">
+            <a:extLst>
+              <a:ext uri="{FF2B5EF4-FFF2-40B4-BE49-F238E27FC236}">
+                <a16:creationId xmlns:a16="http://schemas.microsoft.com/office/drawing/2014/main" id="{CC4A3FAA-0E02-4277-9A18-5E14BC20FA27}"/>
+              </a:ext>
+            </a:extLst>
+          </p:cNvPr>
+          <p:cNvSpPr>
+            <a:spLocks noGrp="1"/>
+          </p:cNvSpPr>
+          <p:nvPr>
+            <p:ph type="title"/>
+          </p:nvPr>
+        </p:nvSpPr>
+        <p:spPr/>
+        <p:txBody>
+          <a:bodyPr/>
+          <a:lstStyle/>
+          <a:p>
+            <a:r>
+              <a:rPr lang="en-US" dirty="0"/>
+              <a:t>Encoder Test 01</a:t>
+            </a:r>
+          </a:p>
+        </p:txBody>
+      </p:sp>
+      <p:sp>
+        <p:nvSpPr>
+          <p:cNvPr id="3" name="Content Placeholder 2">
+            <a:extLst>
+              <a:ext uri="{FF2B5EF4-FFF2-40B4-BE49-F238E27FC236}">
+                <a16:creationId xmlns:a16="http://schemas.microsoft.com/office/drawing/2014/main" id="{B50147CF-DAA8-4BEB-A969-D6D9FECE042F}"/>
+              </a:ext>
+            </a:extLst>
+          </p:cNvPr>
+          <p:cNvSpPr>
+            <a:spLocks noGrp="1"/>
+          </p:cNvSpPr>
+          <p:nvPr>
+            <p:ph idx="1"/>
+          </p:nvPr>
+        </p:nvSpPr>
+        <p:spPr/>
+        <p:txBody>
+          <a:bodyPr>
+            <a:normAutofit/>
+          </a:bodyPr>
+          <a:lstStyle/>
+          <a:p>
+            <a:r>
+              <a:rPr lang="en-US" sz="3200" dirty="0"/>
+              <a:t>See source and talk about source</a:t>
+            </a:r>
+          </a:p>
+        </p:txBody>
+      </p:sp>
+      <p:sp>
+        <p:nvSpPr>
+          <p:cNvPr id="5" name="Footer Placeholder 4">
+            <a:extLst>
+              <a:ext uri="{FF2B5EF4-FFF2-40B4-BE49-F238E27FC236}">
+                <a16:creationId xmlns:a16="http://schemas.microsoft.com/office/drawing/2014/main" id="{1209DE18-B503-447F-B441-01DF56C608A2}"/>
+              </a:ext>
+            </a:extLst>
+          </p:cNvPr>
+          <p:cNvSpPr>
+            <a:spLocks noGrp="1"/>
+          </p:cNvSpPr>
+          <p:nvPr>
+            <p:ph type="ftr" sz="quarter" idx="11"/>
+          </p:nvPr>
+        </p:nvSpPr>
+        <p:spPr>
+          <a:xfrm>
+            <a:off x="561109" y="6220691"/>
+            <a:ext cx="9941173" cy="374074"/>
+          </a:xfrm>
+        </p:spPr>
+        <p:txBody>
+          <a:bodyPr/>
+          <a:lstStyle/>
+          <a:p>
+            <a:r>
+              <a:rPr lang="en-US" sz="2400" dirty="0">
+                <a:solidFill>
+                  <a:schemeClr val="tx1"/>
+                </a:solidFill>
+              </a:rPr>
+              <a:t>https://github.com/JimWright4089/FIRSTWorkshops/FTC/2020</a:t>
+            </a:r>
+          </a:p>
+        </p:txBody>
+      </p:sp>
+    </p:spTree>
+    <p:extLst>
+      <p:ext uri="{BB962C8B-B14F-4D97-AF65-F5344CB8AC3E}">
+        <p14:creationId xmlns:p14="http://schemas.microsoft.com/office/powerpoint/2010/main" val="3849155989"/>
+      </p:ext>
+    </p:extLst>
+  </p:cSld>
+  <p:clrMapOvr>
+    <a:masterClrMapping/>
+  </p:clrMapOvr>
+</p:sld>
+</file>
+
+<file path=ppt/slides/slide16.xml><?xml version="1.0" encoding="utf-8"?>
+<p:sld xmlns:a="http://schemas.openxmlformats.org/drawingml/2006/main" xmlns:r="http://schemas.openxmlformats.org/officeDocument/2006/relationships" xmlns:p="http://schemas.openxmlformats.org/presentationml/2006/main">
+  <p:cSld>
+    <p:spTree>
+      <p:nvGrpSpPr>
+        <p:cNvPr id="1" name=""/>
+        <p:cNvGrpSpPr/>
+        <p:nvPr/>
+      </p:nvGrpSpPr>
+      <p:grpSpPr>
+        <a:xfrm>
+          <a:off x="0" y="0"/>
+          <a:ext cx="0" cy="0"/>
+          <a:chOff x="0" y="0"/>
+          <a:chExt cx="0" cy="0"/>
+        </a:xfrm>
+      </p:grpSpPr>
+      <p:sp>
+        <p:nvSpPr>
+          <p:cNvPr id="2" name="Title 1">
+            <a:extLst>
+              <a:ext uri="{FF2B5EF4-FFF2-40B4-BE49-F238E27FC236}">
+                <a16:creationId xmlns:a16="http://schemas.microsoft.com/office/drawing/2014/main" id="{CC4A3FAA-0E02-4277-9A18-5E14BC20FA27}"/>
+              </a:ext>
+            </a:extLst>
+          </p:cNvPr>
+          <p:cNvSpPr>
+            <a:spLocks noGrp="1"/>
+          </p:cNvSpPr>
+          <p:nvPr>
+            <p:ph type="title"/>
+          </p:nvPr>
+        </p:nvSpPr>
+        <p:spPr/>
+        <p:txBody>
+          <a:bodyPr/>
+          <a:lstStyle/>
+          <a:p>
+            <a:r>
+              <a:rPr lang="en-US" dirty="0"/>
+              <a:t>Encoder Test 02</a:t>
+            </a:r>
+          </a:p>
+        </p:txBody>
+      </p:sp>
+      <p:sp>
+        <p:nvSpPr>
+          <p:cNvPr id="3" name="Content Placeholder 2">
+            <a:extLst>
+              <a:ext uri="{FF2B5EF4-FFF2-40B4-BE49-F238E27FC236}">
+                <a16:creationId xmlns:a16="http://schemas.microsoft.com/office/drawing/2014/main" id="{B50147CF-DAA8-4BEB-A969-D6D9FECE042F}"/>
+              </a:ext>
+            </a:extLst>
+          </p:cNvPr>
+          <p:cNvSpPr>
+            <a:spLocks noGrp="1"/>
+          </p:cNvSpPr>
+          <p:nvPr>
+            <p:ph idx="1"/>
+          </p:nvPr>
+        </p:nvSpPr>
+        <p:spPr/>
+        <p:txBody>
+          <a:bodyPr>
+            <a:normAutofit/>
+          </a:bodyPr>
+          <a:lstStyle/>
+          <a:p>
+            <a:r>
+              <a:rPr lang="en-US" sz="3200" dirty="0"/>
+              <a:t>See source and talk about source to clear encoder</a:t>
+            </a:r>
+          </a:p>
+        </p:txBody>
+      </p:sp>
+      <p:sp>
+        <p:nvSpPr>
+          <p:cNvPr id="5" name="Footer Placeholder 4">
+            <a:extLst>
+              <a:ext uri="{FF2B5EF4-FFF2-40B4-BE49-F238E27FC236}">
+                <a16:creationId xmlns:a16="http://schemas.microsoft.com/office/drawing/2014/main" id="{1209DE18-B503-447F-B441-01DF56C608A2}"/>
+              </a:ext>
+            </a:extLst>
+          </p:cNvPr>
+          <p:cNvSpPr>
+            <a:spLocks noGrp="1"/>
+          </p:cNvSpPr>
+          <p:nvPr>
+            <p:ph type="ftr" sz="quarter" idx="11"/>
+          </p:nvPr>
+        </p:nvSpPr>
+        <p:spPr>
+          <a:xfrm>
+            <a:off x="561109" y="6220691"/>
+            <a:ext cx="9941173" cy="374074"/>
+          </a:xfrm>
+        </p:spPr>
+        <p:txBody>
+          <a:bodyPr/>
+          <a:lstStyle/>
+          <a:p>
+            <a:r>
+              <a:rPr lang="en-US" sz="2400" dirty="0">
+                <a:solidFill>
+                  <a:schemeClr val="tx1"/>
+                </a:solidFill>
+              </a:rPr>
+              <a:t>https://github.com/JimWright4089/FIRSTWorkshops/FTC/2020</a:t>
+            </a:r>
+          </a:p>
+        </p:txBody>
+      </p:sp>
+    </p:spTree>
+    <p:extLst>
+      <p:ext uri="{BB962C8B-B14F-4D97-AF65-F5344CB8AC3E}">
+        <p14:creationId xmlns:p14="http://schemas.microsoft.com/office/powerpoint/2010/main" val="3405176439"/>
+      </p:ext>
+    </p:extLst>
+  </p:cSld>
+  <p:clrMapOvr>
+    <a:masterClrMapping/>
+  </p:clrMapOvr>
+</p:sld>
+</file>
+
+<file path=ppt/slides/slide17.xml><?xml version="1.0" encoding="utf-8"?>
+<p:sld xmlns:a="http://schemas.openxmlformats.org/drawingml/2006/main" xmlns:r="http://schemas.openxmlformats.org/officeDocument/2006/relationships" xmlns:p="http://schemas.openxmlformats.org/presentationml/2006/main">
+  <p:cSld>
+    <p:spTree>
+      <p:nvGrpSpPr>
+        <p:cNvPr id="1" name=""/>
+        <p:cNvGrpSpPr/>
+        <p:nvPr/>
+      </p:nvGrpSpPr>
+      <p:grpSpPr>
+        <a:xfrm>
+          <a:off x="0" y="0"/>
+          <a:ext cx="0" cy="0"/>
+          <a:chOff x="0" y="0"/>
+          <a:chExt cx="0" cy="0"/>
+        </a:xfrm>
+      </p:grpSpPr>
+      <p:sp>
+        <p:nvSpPr>
+          <p:cNvPr id="2" name="Title 1">
+            <a:extLst>
+              <a:ext uri="{FF2B5EF4-FFF2-40B4-BE49-F238E27FC236}">
+                <a16:creationId xmlns:a16="http://schemas.microsoft.com/office/drawing/2014/main" id="{CC4A3FAA-0E02-4277-9A18-5E14BC20FA27}"/>
+              </a:ext>
+            </a:extLst>
+          </p:cNvPr>
+          <p:cNvSpPr>
+            <a:spLocks noGrp="1"/>
+          </p:cNvSpPr>
+          <p:nvPr>
+            <p:ph type="title"/>
+          </p:nvPr>
+        </p:nvSpPr>
+        <p:spPr/>
+        <p:txBody>
+          <a:bodyPr/>
+          <a:lstStyle/>
+          <a:p>
+            <a:r>
+              <a:rPr lang="en-US" dirty="0" err="1"/>
+              <a:t>Gryo</a:t>
+            </a:r>
+            <a:r>
+              <a:rPr lang="en-US" dirty="0"/>
+              <a:t> Test 01</a:t>
+            </a:r>
+          </a:p>
+        </p:txBody>
+      </p:sp>
+      <p:sp>
+        <p:nvSpPr>
+          <p:cNvPr id="3" name="Content Placeholder 2">
+            <a:extLst>
+              <a:ext uri="{FF2B5EF4-FFF2-40B4-BE49-F238E27FC236}">
+                <a16:creationId xmlns:a16="http://schemas.microsoft.com/office/drawing/2014/main" id="{B50147CF-DAA8-4BEB-A969-D6D9FECE042F}"/>
+              </a:ext>
+            </a:extLst>
+          </p:cNvPr>
+          <p:cNvSpPr>
+            <a:spLocks noGrp="1"/>
+          </p:cNvSpPr>
+          <p:nvPr>
+            <p:ph idx="1"/>
+          </p:nvPr>
+        </p:nvSpPr>
+        <p:spPr/>
+        <p:txBody>
+          <a:bodyPr>
+            <a:normAutofit/>
+          </a:bodyPr>
+          <a:lstStyle/>
+          <a:p>
+            <a:r>
+              <a:rPr lang="en-US" sz="3200" dirty="0"/>
+              <a:t>See source and talk about Gyro, then source</a:t>
+            </a:r>
+          </a:p>
+        </p:txBody>
+      </p:sp>
+      <p:sp>
+        <p:nvSpPr>
+          <p:cNvPr id="5" name="Footer Placeholder 4">
+            <a:extLst>
+              <a:ext uri="{FF2B5EF4-FFF2-40B4-BE49-F238E27FC236}">
+                <a16:creationId xmlns:a16="http://schemas.microsoft.com/office/drawing/2014/main" id="{1209DE18-B503-447F-B441-01DF56C608A2}"/>
+              </a:ext>
+            </a:extLst>
+          </p:cNvPr>
+          <p:cNvSpPr>
+            <a:spLocks noGrp="1"/>
+          </p:cNvSpPr>
+          <p:nvPr>
+            <p:ph type="ftr" sz="quarter" idx="11"/>
+          </p:nvPr>
+        </p:nvSpPr>
+        <p:spPr>
+          <a:xfrm>
+            <a:off x="561109" y="6220691"/>
+            <a:ext cx="9941173" cy="374074"/>
+          </a:xfrm>
+        </p:spPr>
+        <p:txBody>
+          <a:bodyPr/>
+          <a:lstStyle/>
+          <a:p>
+            <a:r>
+              <a:rPr lang="en-US" sz="2400" dirty="0">
+                <a:solidFill>
+                  <a:schemeClr val="tx1"/>
+                </a:solidFill>
+              </a:rPr>
+              <a:t>https://github.com/JimWright4089/FIRSTWorkshops/FTC/2020</a:t>
+            </a:r>
+          </a:p>
+        </p:txBody>
+      </p:sp>
+    </p:spTree>
+    <p:extLst>
+      <p:ext uri="{BB962C8B-B14F-4D97-AF65-F5344CB8AC3E}">
+        <p14:creationId xmlns:p14="http://schemas.microsoft.com/office/powerpoint/2010/main" val="2600346290"/>
+      </p:ext>
+    </p:extLst>
+  </p:cSld>
+  <p:clrMapOvr>
+    <a:masterClrMapping/>
+  </p:clrMapOvr>
+</p:sld>
+</file>
+
+<file path=ppt/slides/slide18.xml><?xml version="1.0" encoding="utf-8"?>
+<p:sld xmlns:a="http://schemas.openxmlformats.org/drawingml/2006/main" xmlns:r="http://schemas.openxmlformats.org/officeDocument/2006/relationships" xmlns:p="http://schemas.openxmlformats.org/presentationml/2006/main">
+  <p:cSld>
+    <p:spTree>
+      <p:nvGrpSpPr>
+        <p:cNvPr id="1" name=""/>
+        <p:cNvGrpSpPr/>
+        <p:nvPr/>
+      </p:nvGrpSpPr>
+      <p:grpSpPr>
+        <a:xfrm>
+          <a:off x="0" y="0"/>
+          <a:ext cx="0" cy="0"/>
+          <a:chOff x="0" y="0"/>
+          <a:chExt cx="0" cy="0"/>
+        </a:xfrm>
+      </p:grpSpPr>
+      <p:sp>
+        <p:nvSpPr>
+          <p:cNvPr id="2" name="Title 1">
+            <a:extLst>
+              <a:ext uri="{FF2B5EF4-FFF2-40B4-BE49-F238E27FC236}">
+                <a16:creationId xmlns:a16="http://schemas.microsoft.com/office/drawing/2014/main" id="{CC4A3FAA-0E02-4277-9A18-5E14BC20FA27}"/>
+              </a:ext>
+            </a:extLst>
+          </p:cNvPr>
+          <p:cNvSpPr>
+            <a:spLocks noGrp="1"/>
+          </p:cNvSpPr>
+          <p:nvPr>
+            <p:ph type="title"/>
+          </p:nvPr>
+        </p:nvSpPr>
+        <p:spPr/>
+        <p:txBody>
+          <a:bodyPr/>
+          <a:lstStyle/>
+          <a:p>
+            <a:r>
+              <a:rPr lang="en-US" dirty="0" err="1"/>
+              <a:t>Gryo</a:t>
+            </a:r>
+            <a:r>
+              <a:rPr lang="en-US" dirty="0"/>
+              <a:t> Test 02</a:t>
+            </a:r>
+          </a:p>
+        </p:txBody>
+      </p:sp>
+      <p:sp>
+        <p:nvSpPr>
+          <p:cNvPr id="3" name="Content Placeholder 2">
+            <a:extLst>
+              <a:ext uri="{FF2B5EF4-FFF2-40B4-BE49-F238E27FC236}">
+                <a16:creationId xmlns:a16="http://schemas.microsoft.com/office/drawing/2014/main" id="{B50147CF-DAA8-4BEB-A969-D6D9FECE042F}"/>
+              </a:ext>
+            </a:extLst>
+          </p:cNvPr>
+          <p:cNvSpPr>
+            <a:spLocks noGrp="1"/>
+          </p:cNvSpPr>
+          <p:nvPr>
+            <p:ph idx="1"/>
+          </p:nvPr>
+        </p:nvSpPr>
+        <p:spPr/>
+        <p:txBody>
+          <a:bodyPr>
+            <a:normAutofit/>
+          </a:bodyPr>
+          <a:lstStyle/>
+          <a:p>
+            <a:r>
+              <a:rPr lang="en-US" sz="3200" dirty="0"/>
+              <a:t>See source and talk about simpler use of the gyro</a:t>
+            </a:r>
+          </a:p>
+        </p:txBody>
+      </p:sp>
+      <p:sp>
+        <p:nvSpPr>
+          <p:cNvPr id="5" name="Footer Placeholder 4">
+            <a:extLst>
+              <a:ext uri="{FF2B5EF4-FFF2-40B4-BE49-F238E27FC236}">
+                <a16:creationId xmlns:a16="http://schemas.microsoft.com/office/drawing/2014/main" id="{1209DE18-B503-447F-B441-01DF56C608A2}"/>
+              </a:ext>
+            </a:extLst>
+          </p:cNvPr>
+          <p:cNvSpPr>
+            <a:spLocks noGrp="1"/>
+          </p:cNvSpPr>
+          <p:nvPr>
+            <p:ph type="ftr" sz="quarter" idx="11"/>
+          </p:nvPr>
+        </p:nvSpPr>
+        <p:spPr>
+          <a:xfrm>
+            <a:off x="561109" y="6220691"/>
+            <a:ext cx="9941173" cy="374074"/>
+          </a:xfrm>
+        </p:spPr>
+        <p:txBody>
+          <a:bodyPr/>
+          <a:lstStyle/>
+          <a:p>
+            <a:r>
+              <a:rPr lang="en-US" sz="2400" dirty="0">
+                <a:solidFill>
+                  <a:schemeClr val="tx1"/>
+                </a:solidFill>
+              </a:rPr>
+              <a:t>https://github.com/JimWright4089/FIRSTWorkshops/FTC/2020</a:t>
+            </a:r>
+          </a:p>
+        </p:txBody>
+      </p:sp>
+    </p:spTree>
+    <p:extLst>
+      <p:ext uri="{BB962C8B-B14F-4D97-AF65-F5344CB8AC3E}">
+        <p14:creationId xmlns:p14="http://schemas.microsoft.com/office/powerpoint/2010/main" val="3026240426"/>
+      </p:ext>
+    </p:extLst>
+  </p:cSld>
+  <p:clrMapOvr>
+    <a:masterClrMapping/>
+  </p:clrMapOvr>
+</p:sld>
+</file>
+
+<file path=ppt/slides/slide19.xml><?xml version="1.0" encoding="utf-8"?>
+<p:sld xmlns:a="http://schemas.openxmlformats.org/drawingml/2006/main" xmlns:r="http://schemas.openxmlformats.org/officeDocument/2006/relationships" xmlns:p="http://schemas.openxmlformats.org/presentationml/2006/main">
+  <p:cSld>
+    <p:spTree>
+      <p:nvGrpSpPr>
+        <p:cNvPr id="1" name=""/>
+        <p:cNvGrpSpPr/>
+        <p:nvPr/>
+      </p:nvGrpSpPr>
+      <p:grpSpPr>
+        <a:xfrm>
+          <a:off x="0" y="0"/>
+          <a:ext cx="0" cy="0"/>
+          <a:chOff x="0" y="0"/>
+          <a:chExt cx="0" cy="0"/>
+        </a:xfrm>
+      </p:grpSpPr>
+      <p:sp>
+        <p:nvSpPr>
+          <p:cNvPr id="2" name="Title 1">
+            <a:extLst>
+              <a:ext uri="{FF2B5EF4-FFF2-40B4-BE49-F238E27FC236}">
+                <a16:creationId xmlns:a16="http://schemas.microsoft.com/office/drawing/2014/main" id="{CC4A3FAA-0E02-4277-9A18-5E14BC20FA27}"/>
+              </a:ext>
+            </a:extLst>
+          </p:cNvPr>
+          <p:cNvSpPr>
+            <a:spLocks noGrp="1"/>
+          </p:cNvSpPr>
+          <p:nvPr>
+            <p:ph type="title"/>
+          </p:nvPr>
+        </p:nvSpPr>
+        <p:spPr/>
+        <p:txBody>
+          <a:bodyPr/>
+          <a:lstStyle/>
+          <a:p>
+            <a:r>
+              <a:rPr lang="en-US" dirty="0"/>
+              <a:t>MyFirstAuto.java</a:t>
+            </a:r>
+          </a:p>
+        </p:txBody>
+      </p:sp>
+      <p:sp>
+        <p:nvSpPr>
+          <p:cNvPr id="3" name="Content Placeholder 2">
+            <a:extLst>
+              <a:ext uri="{FF2B5EF4-FFF2-40B4-BE49-F238E27FC236}">
+                <a16:creationId xmlns:a16="http://schemas.microsoft.com/office/drawing/2014/main" id="{B50147CF-DAA8-4BEB-A969-D6D9FECE042F}"/>
+              </a:ext>
+            </a:extLst>
+          </p:cNvPr>
+          <p:cNvSpPr>
+            <a:spLocks noGrp="1"/>
+          </p:cNvSpPr>
+          <p:nvPr>
+            <p:ph idx="1"/>
+          </p:nvPr>
+        </p:nvSpPr>
+        <p:spPr/>
+        <p:txBody>
+          <a:bodyPr>
+            <a:normAutofit/>
+          </a:bodyPr>
+          <a:lstStyle/>
+          <a:p>
+            <a:r>
+              <a:rPr lang="en-US" sz="3200" dirty="0"/>
+              <a:t>Build your first Auto program.</a:t>
+            </a:r>
+          </a:p>
+          <a:p>
+            <a:r>
+              <a:rPr lang="en-US" sz="3200" dirty="0"/>
+              <a:t>Then build a second one with using </a:t>
+            </a:r>
+            <a:r>
+              <a:rPr lang="en-US" sz="3200"/>
+              <a:t>the Gyro.</a:t>
+            </a:r>
+            <a:endParaRPr lang="en-US" sz="3200" dirty="0"/>
+          </a:p>
+        </p:txBody>
+      </p:sp>
+      <p:sp>
+        <p:nvSpPr>
+          <p:cNvPr id="5" name="Footer Placeholder 4">
+            <a:extLst>
+              <a:ext uri="{FF2B5EF4-FFF2-40B4-BE49-F238E27FC236}">
+                <a16:creationId xmlns:a16="http://schemas.microsoft.com/office/drawing/2014/main" id="{1209DE18-B503-447F-B441-01DF56C608A2}"/>
+              </a:ext>
+            </a:extLst>
+          </p:cNvPr>
+          <p:cNvSpPr>
+            <a:spLocks noGrp="1"/>
+          </p:cNvSpPr>
+          <p:nvPr>
+            <p:ph type="ftr" sz="quarter" idx="11"/>
+          </p:nvPr>
+        </p:nvSpPr>
+        <p:spPr>
+          <a:xfrm>
+            <a:off x="561109" y="6220691"/>
+            <a:ext cx="9941173" cy="374074"/>
+          </a:xfrm>
+        </p:spPr>
+        <p:txBody>
+          <a:bodyPr/>
+          <a:lstStyle/>
+          <a:p>
+            <a:r>
+              <a:rPr lang="en-US" sz="2400" dirty="0">
+                <a:solidFill>
+                  <a:schemeClr val="tx1"/>
+                </a:solidFill>
+              </a:rPr>
+              <a:t>https://github.com/JimWright4089/FIRSTWorkshops/FTC/2020</a:t>
+            </a:r>
+          </a:p>
+        </p:txBody>
+      </p:sp>
+    </p:spTree>
+    <p:extLst>
+      <p:ext uri="{BB962C8B-B14F-4D97-AF65-F5344CB8AC3E}">
+        <p14:creationId xmlns:p14="http://schemas.microsoft.com/office/powerpoint/2010/main" val="643035443"/>
+      </p:ext>
+    </p:extLst>
+  </p:cSld>
+  <p:clrMapOvr>
+    <a:masterClrMapping/>
+  </p:clrMapOvr>
+</p:sld>
+</file>
+
 <file path=ppt/slides/slide2.xml><?xml version="1.0" encoding="utf-8"?>
 <p:sld xmlns:a="http://schemas.openxmlformats.org/drawingml/2006/main" xmlns:r="http://schemas.openxmlformats.org/officeDocument/2006/relationships" xmlns:p="http://schemas.openxmlformats.org/presentationml/2006/main">
   <p:cSld>
@@ -13981,27 +15433,7 @@
           <a:p>
             <a:r>
               <a:rPr lang="en-US" sz="3200" dirty="0"/>
-              <a:t>When you start writing a new robot program, start from another program.  </a:t>
-            </a:r>
-          </a:p>
-          <a:p>
-            <a:r>
-              <a:rPr lang="en-US" sz="3200" dirty="0"/>
-              <a:t>Never start from a blank file.</a:t>
-            </a:r>
-          </a:p>
-          <a:p>
-            <a:r>
-              <a:rPr lang="en-US" sz="3200" dirty="0"/>
-              <a:t>Almost all the code in this class is on my </a:t>
-            </a:r>
-            <a:r>
-              <a:rPr lang="en-US" sz="3200" dirty="0" err="1"/>
-              <a:t>Github</a:t>
-            </a:r>
-            <a:r>
-              <a:rPr lang="en-US" sz="3200"/>
-              <a:t> page at:</a:t>
+              <a:t>Note: in this talk the screens may not match yours.  So adjust when you need to.</a:t>
             </a:r>
           </a:p>
           <a:p>
@@ -14099,7 +15531,7 @@
           <a:p>
             <a:r>
               <a:rPr lang="en-US" dirty="0"/>
-              <a:t>State Machine 01</a:t>
+              <a:t>Intro</a:t>
             </a:r>
           </a:p>
         </p:txBody>
@@ -14123,35 +15555,37 @@
         <p:spPr/>
         <p:txBody>
           <a:bodyPr>
-            <a:normAutofit/>
+            <a:normAutofit fontScale="92500" lnSpcReduction="10000"/>
           </a:bodyPr>
           <a:lstStyle/>
           <a:p>
             <a:r>
               <a:rPr lang="en-US" sz="3200" dirty="0"/>
-              <a:t>Things covered in this class:</a:t>
-            </a:r>
-          </a:p>
-          <a:p>
-            <a:pPr lvl="1"/>
+              <a:t>When you start writing a new robot program, start from another program.  </a:t>
+            </a:r>
+          </a:p>
+          <a:p>
             <a:r>
               <a:rPr lang="en-US" sz="3200" dirty="0"/>
-              <a:t>State Machines</a:t>
-            </a:r>
-          </a:p>
-          <a:p>
-            <a:pPr lvl="1"/>
+              <a:t>Never start from a blank file.</a:t>
+            </a:r>
+          </a:p>
+          <a:p>
             <a:r>
               <a:rPr lang="en-US" sz="3200" dirty="0"/>
-              <a:t>Encoder Test</a:t>
-            </a:r>
-          </a:p>
-          <a:p>
-            <a:pPr lvl="1"/>
+              <a:t>Almost all the code in this class is on my </a:t>
+            </a:r>
+            <a:r>
+              <a:rPr lang="en-US" sz="3200" dirty="0" err="1"/>
+              <a:t>Github</a:t>
+            </a:r>
             <a:r>
               <a:rPr lang="en-US" sz="3200" dirty="0"/>
-              <a:t>Gyro</a:t>
-            </a:r>
+              <a:t> page at: https://github.com/JimWright4089/FIRSTWorkshops/tree/master/FTC/2020/Source</a:t>
+            </a:r>
+          </a:p>
+          <a:p>
+            <a:endParaRPr lang="en-US" sz="3200" dirty="0"/>
           </a:p>
         </p:txBody>
       </p:sp>
@@ -14195,7 +15629,830 @@
     </p:spTree>
     <p:extLst>
       <p:ext uri="{BB962C8B-B14F-4D97-AF65-F5344CB8AC3E}">
-        <p14:creationId xmlns:p14="http://schemas.microsoft.com/office/powerpoint/2010/main" val="3323248534"/>
+        <p14:creationId xmlns:p14="http://schemas.microsoft.com/office/powerpoint/2010/main" val="2793752176"/>
+      </p:ext>
+    </p:extLst>
+  </p:cSld>
+  <p:clrMapOvr>
+    <a:masterClrMapping/>
+  </p:clrMapOvr>
+</p:sld>
+</file>
+
+<file path=ppt/slides/slide5.xml><?xml version="1.0" encoding="utf-8"?>
+<p:sld xmlns:a="http://schemas.openxmlformats.org/drawingml/2006/main" xmlns:r="http://schemas.openxmlformats.org/officeDocument/2006/relationships" xmlns:p="http://schemas.openxmlformats.org/presentationml/2006/main">
+  <p:cSld>
+    <p:spTree>
+      <p:nvGrpSpPr>
+        <p:cNvPr id="1" name=""/>
+        <p:cNvGrpSpPr/>
+        <p:nvPr/>
+      </p:nvGrpSpPr>
+      <p:grpSpPr>
+        <a:xfrm>
+          <a:off x="0" y="0"/>
+          <a:ext cx="0" cy="0"/>
+          <a:chOff x="0" y="0"/>
+          <a:chExt cx="0" cy="0"/>
+        </a:xfrm>
+      </p:grpSpPr>
+      <p:sp>
+        <p:nvSpPr>
+          <p:cNvPr id="2" name="Title 1">
+            <a:extLst>
+              <a:ext uri="{FF2B5EF4-FFF2-40B4-BE49-F238E27FC236}">
+                <a16:creationId xmlns:a16="http://schemas.microsoft.com/office/drawing/2014/main" id="{CC4A3FAA-0E02-4277-9A18-5E14BC20FA27}"/>
+              </a:ext>
+            </a:extLst>
+          </p:cNvPr>
+          <p:cNvSpPr>
+            <a:spLocks noGrp="1"/>
+          </p:cNvSpPr>
+          <p:nvPr>
+            <p:ph type="title"/>
+          </p:nvPr>
+        </p:nvSpPr>
+        <p:spPr/>
+        <p:txBody>
+          <a:bodyPr/>
+          <a:lstStyle/>
+          <a:p>
+            <a:r>
+              <a:rPr lang="en-US" dirty="0"/>
+              <a:t>Intro</a:t>
+            </a:r>
+          </a:p>
+        </p:txBody>
+      </p:sp>
+      <p:sp>
+        <p:nvSpPr>
+          <p:cNvPr id="3" name="Content Placeholder 2">
+            <a:extLst>
+              <a:ext uri="{FF2B5EF4-FFF2-40B4-BE49-F238E27FC236}">
+                <a16:creationId xmlns:a16="http://schemas.microsoft.com/office/drawing/2014/main" id="{B50147CF-DAA8-4BEB-A969-D6D9FECE042F}"/>
+              </a:ext>
+            </a:extLst>
+          </p:cNvPr>
+          <p:cNvSpPr>
+            <a:spLocks noGrp="1"/>
+          </p:cNvSpPr>
+          <p:nvPr>
+            <p:ph idx="1"/>
+          </p:nvPr>
+        </p:nvSpPr>
+        <p:spPr/>
+        <p:txBody>
+          <a:bodyPr>
+            <a:normAutofit fontScale="62500" lnSpcReduction="20000"/>
+          </a:bodyPr>
+          <a:lstStyle/>
+          <a:p>
+            <a:r>
+              <a:rPr lang="en-US" sz="3200" dirty="0"/>
+              <a:t>Programs we will work with:</a:t>
+            </a:r>
+          </a:p>
+          <a:p>
+            <a:pPr lvl="1"/>
+            <a:r>
+              <a:rPr lang="en-US" sz="3000" dirty="0"/>
+              <a:t>StateMachine01.java</a:t>
+            </a:r>
+          </a:p>
+          <a:p>
+            <a:pPr lvl="1"/>
+            <a:r>
+              <a:rPr lang="en-US" sz="3000" dirty="0"/>
+              <a:t>StateMachine02.java</a:t>
+            </a:r>
+          </a:p>
+          <a:p>
+            <a:pPr lvl="1"/>
+            <a:r>
+              <a:rPr lang="en-US" sz="3000" dirty="0"/>
+              <a:t>StopWatch.java</a:t>
+            </a:r>
+          </a:p>
+          <a:p>
+            <a:pPr lvl="1"/>
+            <a:r>
+              <a:rPr lang="en-US" sz="3000" dirty="0"/>
+              <a:t>EncoderTest01.java</a:t>
+            </a:r>
+          </a:p>
+          <a:p>
+            <a:pPr lvl="1"/>
+            <a:r>
+              <a:rPr lang="en-US" sz="3000" dirty="0"/>
+              <a:t>EncoderTest02.java</a:t>
+            </a:r>
+          </a:p>
+          <a:p>
+            <a:pPr lvl="1"/>
+            <a:r>
+              <a:rPr lang="en-US" sz="3000" dirty="0"/>
+              <a:t>GyroTest01.java</a:t>
+            </a:r>
+          </a:p>
+          <a:p>
+            <a:pPr lvl="1"/>
+            <a:r>
+              <a:rPr lang="en-US" sz="3000" dirty="0"/>
+              <a:t>GyroTest02.java</a:t>
+            </a:r>
+          </a:p>
+          <a:p>
+            <a:pPr lvl="1"/>
+            <a:r>
+              <a:rPr lang="en-US" sz="3000" dirty="0"/>
+              <a:t>MyFirstAuto.java</a:t>
+            </a:r>
+          </a:p>
+          <a:p>
+            <a:endParaRPr lang="en-US" sz="3200" dirty="0"/>
+          </a:p>
+        </p:txBody>
+      </p:sp>
+      <p:sp>
+        <p:nvSpPr>
+          <p:cNvPr id="5" name="Footer Placeholder 4">
+            <a:extLst>
+              <a:ext uri="{FF2B5EF4-FFF2-40B4-BE49-F238E27FC236}">
+                <a16:creationId xmlns:a16="http://schemas.microsoft.com/office/drawing/2014/main" id="{1209DE18-B503-447F-B441-01DF56C608A2}"/>
+              </a:ext>
+            </a:extLst>
+          </p:cNvPr>
+          <p:cNvSpPr>
+            <a:spLocks noGrp="1"/>
+          </p:cNvSpPr>
+          <p:nvPr>
+            <p:ph type="ftr" sz="quarter" idx="11"/>
+          </p:nvPr>
+        </p:nvSpPr>
+        <p:spPr>
+          <a:xfrm>
+            <a:off x="561109" y="6220691"/>
+            <a:ext cx="9941173" cy="374074"/>
+          </a:xfrm>
+        </p:spPr>
+        <p:txBody>
+          <a:bodyPr/>
+          <a:lstStyle/>
+          <a:p>
+            <a:r>
+              <a:rPr lang="en-US" sz="2400" dirty="0">
+                <a:solidFill>
+                  <a:schemeClr val="tx1"/>
+                </a:solidFill>
+              </a:rPr>
+              <a:t>https://github.com/JimWright4089/FIRSTWorkshops/FTC/2020</a:t>
+            </a:r>
+          </a:p>
+        </p:txBody>
+      </p:sp>
+    </p:spTree>
+    <p:extLst>
+      <p:ext uri="{BB962C8B-B14F-4D97-AF65-F5344CB8AC3E}">
+        <p14:creationId xmlns:p14="http://schemas.microsoft.com/office/powerpoint/2010/main" val="3532776456"/>
+      </p:ext>
+    </p:extLst>
+  </p:cSld>
+  <p:clrMapOvr>
+    <a:masterClrMapping/>
+  </p:clrMapOvr>
+</p:sld>
+</file>
+
+<file path=ppt/slides/slide6.xml><?xml version="1.0" encoding="utf-8"?>
+<p:sld xmlns:a="http://schemas.openxmlformats.org/drawingml/2006/main" xmlns:r="http://schemas.openxmlformats.org/officeDocument/2006/relationships" xmlns:p="http://schemas.openxmlformats.org/presentationml/2006/main">
+  <p:cSld>
+    <p:spTree>
+      <p:nvGrpSpPr>
+        <p:cNvPr id="1" name=""/>
+        <p:cNvGrpSpPr/>
+        <p:nvPr/>
+      </p:nvGrpSpPr>
+      <p:grpSpPr>
+        <a:xfrm>
+          <a:off x="0" y="0"/>
+          <a:ext cx="0" cy="0"/>
+          <a:chOff x="0" y="0"/>
+          <a:chExt cx="0" cy="0"/>
+        </a:xfrm>
+      </p:grpSpPr>
+      <p:sp>
+        <p:nvSpPr>
+          <p:cNvPr id="2" name="Title 1">
+            <a:extLst>
+              <a:ext uri="{FF2B5EF4-FFF2-40B4-BE49-F238E27FC236}">
+                <a16:creationId xmlns:a16="http://schemas.microsoft.com/office/drawing/2014/main" id="{CC4A3FAA-0E02-4277-9A18-5E14BC20FA27}"/>
+              </a:ext>
+            </a:extLst>
+          </p:cNvPr>
+          <p:cNvSpPr>
+            <a:spLocks noGrp="1"/>
+          </p:cNvSpPr>
+          <p:nvPr>
+            <p:ph type="title"/>
+          </p:nvPr>
+        </p:nvSpPr>
+        <p:spPr/>
+        <p:txBody>
+          <a:bodyPr/>
+          <a:lstStyle/>
+          <a:p>
+            <a:r>
+              <a:rPr lang="en-US" dirty="0"/>
+              <a:t>Intro</a:t>
+            </a:r>
+          </a:p>
+        </p:txBody>
+      </p:sp>
+      <p:sp>
+        <p:nvSpPr>
+          <p:cNvPr id="3" name="Content Placeholder 2">
+            <a:extLst>
+              <a:ext uri="{FF2B5EF4-FFF2-40B4-BE49-F238E27FC236}">
+                <a16:creationId xmlns:a16="http://schemas.microsoft.com/office/drawing/2014/main" id="{B50147CF-DAA8-4BEB-A969-D6D9FECE042F}"/>
+              </a:ext>
+            </a:extLst>
+          </p:cNvPr>
+          <p:cNvSpPr>
+            <a:spLocks noGrp="1"/>
+          </p:cNvSpPr>
+          <p:nvPr>
+            <p:ph idx="1"/>
+          </p:nvPr>
+        </p:nvSpPr>
+        <p:spPr/>
+        <p:txBody>
+          <a:bodyPr>
+            <a:normAutofit/>
+          </a:bodyPr>
+          <a:lstStyle/>
+          <a:p>
+            <a:r>
+              <a:rPr lang="en-US" sz="3200" dirty="0"/>
+              <a:t>Two ways of getting source on your phone.</a:t>
+            </a:r>
+          </a:p>
+          <a:p>
+            <a:r>
+              <a:rPr lang="en-US" sz="3200" dirty="0"/>
+              <a:t>Download and import (let’s not do this but talk about it)</a:t>
+            </a:r>
+          </a:p>
+          <a:p>
+            <a:r>
+              <a:rPr lang="en-US" sz="3200" dirty="0"/>
+              <a:t>Start a program and cut and paste</a:t>
+            </a:r>
+          </a:p>
+          <a:p>
+            <a:endParaRPr lang="en-US" sz="3200" dirty="0"/>
+          </a:p>
+        </p:txBody>
+      </p:sp>
+      <p:sp>
+        <p:nvSpPr>
+          <p:cNvPr id="5" name="Footer Placeholder 4">
+            <a:extLst>
+              <a:ext uri="{FF2B5EF4-FFF2-40B4-BE49-F238E27FC236}">
+                <a16:creationId xmlns:a16="http://schemas.microsoft.com/office/drawing/2014/main" id="{1209DE18-B503-447F-B441-01DF56C608A2}"/>
+              </a:ext>
+            </a:extLst>
+          </p:cNvPr>
+          <p:cNvSpPr>
+            <a:spLocks noGrp="1"/>
+          </p:cNvSpPr>
+          <p:nvPr>
+            <p:ph type="ftr" sz="quarter" idx="11"/>
+          </p:nvPr>
+        </p:nvSpPr>
+        <p:spPr>
+          <a:xfrm>
+            <a:off x="561109" y="6220691"/>
+            <a:ext cx="9941173" cy="374074"/>
+          </a:xfrm>
+        </p:spPr>
+        <p:txBody>
+          <a:bodyPr/>
+          <a:lstStyle/>
+          <a:p>
+            <a:r>
+              <a:rPr lang="en-US" sz="2400" dirty="0">
+                <a:solidFill>
+                  <a:schemeClr val="tx1"/>
+                </a:solidFill>
+              </a:rPr>
+              <a:t>https://github.com/JimWright4089/FIRSTWorkshops/FTC/2020</a:t>
+            </a:r>
+          </a:p>
+        </p:txBody>
+      </p:sp>
+    </p:spTree>
+    <p:extLst>
+      <p:ext uri="{BB962C8B-B14F-4D97-AF65-F5344CB8AC3E}">
+        <p14:creationId xmlns:p14="http://schemas.microsoft.com/office/powerpoint/2010/main" val="2119226127"/>
+      </p:ext>
+    </p:extLst>
+  </p:cSld>
+  <p:clrMapOvr>
+    <a:masterClrMapping/>
+  </p:clrMapOvr>
+</p:sld>
+</file>
+
+<file path=ppt/slides/slide7.xml><?xml version="1.0" encoding="utf-8"?>
+<p:sld xmlns:a="http://schemas.openxmlformats.org/drawingml/2006/main" xmlns:r="http://schemas.openxmlformats.org/officeDocument/2006/relationships" xmlns:p="http://schemas.openxmlformats.org/presentationml/2006/main">
+  <p:cSld>
+    <p:spTree>
+      <p:nvGrpSpPr>
+        <p:cNvPr id="1" name=""/>
+        <p:cNvGrpSpPr/>
+        <p:nvPr/>
+      </p:nvGrpSpPr>
+      <p:grpSpPr>
+        <a:xfrm>
+          <a:off x="0" y="0"/>
+          <a:ext cx="0" cy="0"/>
+          <a:chOff x="0" y="0"/>
+          <a:chExt cx="0" cy="0"/>
+        </a:xfrm>
+      </p:grpSpPr>
+      <p:sp>
+        <p:nvSpPr>
+          <p:cNvPr id="2" name="Title 1">
+            <a:extLst>
+              <a:ext uri="{FF2B5EF4-FFF2-40B4-BE49-F238E27FC236}">
+                <a16:creationId xmlns:a16="http://schemas.microsoft.com/office/drawing/2014/main" id="{CC4A3FAA-0E02-4277-9A18-5E14BC20FA27}"/>
+              </a:ext>
+            </a:extLst>
+          </p:cNvPr>
+          <p:cNvSpPr>
+            <a:spLocks noGrp="1"/>
+          </p:cNvSpPr>
+          <p:nvPr>
+            <p:ph type="title"/>
+          </p:nvPr>
+        </p:nvSpPr>
+        <p:spPr/>
+        <p:txBody>
+          <a:bodyPr/>
+          <a:lstStyle/>
+          <a:p>
+            <a:r>
+              <a:rPr lang="en-US" dirty="0"/>
+              <a:t>Download and import</a:t>
+            </a:r>
+          </a:p>
+        </p:txBody>
+      </p:sp>
+      <p:sp>
+        <p:nvSpPr>
+          <p:cNvPr id="3" name="Content Placeholder 2">
+            <a:extLst>
+              <a:ext uri="{FF2B5EF4-FFF2-40B4-BE49-F238E27FC236}">
+                <a16:creationId xmlns:a16="http://schemas.microsoft.com/office/drawing/2014/main" id="{B50147CF-DAA8-4BEB-A969-D6D9FECE042F}"/>
+              </a:ext>
+            </a:extLst>
+          </p:cNvPr>
+          <p:cNvSpPr>
+            <a:spLocks noGrp="1"/>
+          </p:cNvSpPr>
+          <p:nvPr>
+            <p:ph idx="1"/>
+          </p:nvPr>
+        </p:nvSpPr>
+        <p:spPr/>
+        <p:txBody>
+          <a:bodyPr>
+            <a:normAutofit fontScale="92500"/>
+          </a:bodyPr>
+          <a:lstStyle/>
+          <a:p>
+            <a:r>
+              <a:rPr lang="en-US" sz="3200" dirty="0"/>
+              <a:t>You will need to download all of the files under </a:t>
+            </a:r>
+            <a:r>
+              <a:rPr lang="en-US" sz="3200" dirty="0" err="1"/>
+              <a:t>FIRSTWorkshops</a:t>
+            </a:r>
+            <a:r>
+              <a:rPr lang="en-US" sz="3200" dirty="0"/>
+              <a:t>.</a:t>
+            </a:r>
+          </a:p>
+          <a:p>
+            <a:r>
+              <a:rPr lang="en-US" sz="3200" dirty="0"/>
+              <a:t>Start at </a:t>
+            </a:r>
+            <a:r>
+              <a:rPr lang="en-US" sz="3200" dirty="0">
+                <a:hlinkClick r:id="rId2"/>
+              </a:rPr>
+              <a:t>https://github.com/JimWright4089/FIRSTWorkshops</a:t>
+            </a:r>
+            <a:endParaRPr lang="en-US" sz="3200" dirty="0"/>
+          </a:p>
+          <a:p>
+            <a:r>
+              <a:rPr lang="en-US" sz="3200" dirty="0"/>
+              <a:t>And click download from the Code button</a:t>
+            </a:r>
+          </a:p>
+        </p:txBody>
+      </p:sp>
+      <p:sp>
+        <p:nvSpPr>
+          <p:cNvPr id="5" name="Footer Placeholder 4">
+            <a:extLst>
+              <a:ext uri="{FF2B5EF4-FFF2-40B4-BE49-F238E27FC236}">
+                <a16:creationId xmlns:a16="http://schemas.microsoft.com/office/drawing/2014/main" id="{1209DE18-B503-447F-B441-01DF56C608A2}"/>
+              </a:ext>
+            </a:extLst>
+          </p:cNvPr>
+          <p:cNvSpPr>
+            <a:spLocks noGrp="1"/>
+          </p:cNvSpPr>
+          <p:nvPr>
+            <p:ph type="ftr" sz="quarter" idx="11"/>
+          </p:nvPr>
+        </p:nvSpPr>
+        <p:spPr>
+          <a:xfrm>
+            <a:off x="561109" y="6220691"/>
+            <a:ext cx="9941173" cy="374074"/>
+          </a:xfrm>
+        </p:spPr>
+        <p:txBody>
+          <a:bodyPr/>
+          <a:lstStyle/>
+          <a:p>
+            <a:r>
+              <a:rPr lang="en-US" sz="2400" dirty="0">
+                <a:solidFill>
+                  <a:schemeClr val="tx1"/>
+                </a:solidFill>
+              </a:rPr>
+              <a:t>https://github.com/JimWright4089/FIRSTWorkshops/FTC/2020</a:t>
+            </a:r>
+          </a:p>
+        </p:txBody>
+      </p:sp>
+    </p:spTree>
+    <p:extLst>
+      <p:ext uri="{BB962C8B-B14F-4D97-AF65-F5344CB8AC3E}">
+        <p14:creationId xmlns:p14="http://schemas.microsoft.com/office/powerpoint/2010/main" val="2942490005"/>
+      </p:ext>
+    </p:extLst>
+  </p:cSld>
+  <p:clrMapOvr>
+    <a:masterClrMapping/>
+  </p:clrMapOvr>
+</p:sld>
+</file>
+
+<file path=ppt/slides/slide8.xml><?xml version="1.0" encoding="utf-8"?>
+<p:sld xmlns:a="http://schemas.openxmlformats.org/drawingml/2006/main" xmlns:r="http://schemas.openxmlformats.org/officeDocument/2006/relationships" xmlns:p="http://schemas.openxmlformats.org/presentationml/2006/main">
+  <p:cSld>
+    <p:spTree>
+      <p:nvGrpSpPr>
+        <p:cNvPr id="1" name=""/>
+        <p:cNvGrpSpPr/>
+        <p:nvPr/>
+      </p:nvGrpSpPr>
+      <p:grpSpPr>
+        <a:xfrm>
+          <a:off x="0" y="0"/>
+          <a:ext cx="0" cy="0"/>
+          <a:chOff x="0" y="0"/>
+          <a:chExt cx="0" cy="0"/>
+        </a:xfrm>
+      </p:grpSpPr>
+      <p:sp>
+        <p:nvSpPr>
+          <p:cNvPr id="2" name="Title 1">
+            <a:extLst>
+              <a:ext uri="{FF2B5EF4-FFF2-40B4-BE49-F238E27FC236}">
+                <a16:creationId xmlns:a16="http://schemas.microsoft.com/office/drawing/2014/main" id="{CC4A3FAA-0E02-4277-9A18-5E14BC20FA27}"/>
+              </a:ext>
+            </a:extLst>
+          </p:cNvPr>
+          <p:cNvSpPr>
+            <a:spLocks noGrp="1"/>
+          </p:cNvSpPr>
+          <p:nvPr>
+            <p:ph type="title"/>
+          </p:nvPr>
+        </p:nvSpPr>
+        <p:spPr/>
+        <p:txBody>
+          <a:bodyPr/>
+          <a:lstStyle/>
+          <a:p>
+            <a:r>
+              <a:rPr lang="en-US" dirty="0"/>
+              <a:t>C</a:t>
+            </a:r>
+            <a:r>
+              <a:rPr lang="en-US" sz="3600" dirty="0"/>
+              <a:t>ut and paste</a:t>
+            </a:r>
+          </a:p>
+        </p:txBody>
+      </p:sp>
+      <p:sp>
+        <p:nvSpPr>
+          <p:cNvPr id="3" name="Content Placeholder 2">
+            <a:extLst>
+              <a:ext uri="{FF2B5EF4-FFF2-40B4-BE49-F238E27FC236}">
+                <a16:creationId xmlns:a16="http://schemas.microsoft.com/office/drawing/2014/main" id="{B50147CF-DAA8-4BEB-A969-D6D9FECE042F}"/>
+              </a:ext>
+            </a:extLst>
+          </p:cNvPr>
+          <p:cNvSpPr>
+            <a:spLocks noGrp="1"/>
+          </p:cNvSpPr>
+          <p:nvPr>
+            <p:ph idx="1"/>
+          </p:nvPr>
+        </p:nvSpPr>
+        <p:spPr>
+          <a:xfrm>
+            <a:off x="1154955" y="2603500"/>
+            <a:ext cx="3512296" cy="3416300"/>
+          </a:xfrm>
+        </p:spPr>
+        <p:txBody>
+          <a:bodyPr>
+            <a:normAutofit/>
+          </a:bodyPr>
+          <a:lstStyle/>
+          <a:p>
+            <a:r>
+              <a:rPr lang="en-US" sz="3200" dirty="0"/>
+              <a:t>Start at your </a:t>
+            </a:r>
+            <a:r>
+              <a:rPr lang="en-US" sz="3200" dirty="0" err="1"/>
+              <a:t>OnBotJava</a:t>
+            </a:r>
+            <a:r>
+              <a:rPr lang="en-US" sz="3200" dirty="0"/>
+              <a:t> Screen.</a:t>
+            </a:r>
+          </a:p>
+          <a:p>
+            <a:endParaRPr lang="en-US" sz="3200" dirty="0"/>
+          </a:p>
+        </p:txBody>
+      </p:sp>
+      <p:sp>
+        <p:nvSpPr>
+          <p:cNvPr id="5" name="Footer Placeholder 4">
+            <a:extLst>
+              <a:ext uri="{FF2B5EF4-FFF2-40B4-BE49-F238E27FC236}">
+                <a16:creationId xmlns:a16="http://schemas.microsoft.com/office/drawing/2014/main" id="{1209DE18-B503-447F-B441-01DF56C608A2}"/>
+              </a:ext>
+            </a:extLst>
+          </p:cNvPr>
+          <p:cNvSpPr>
+            <a:spLocks noGrp="1"/>
+          </p:cNvSpPr>
+          <p:nvPr>
+            <p:ph type="ftr" sz="quarter" idx="11"/>
+          </p:nvPr>
+        </p:nvSpPr>
+        <p:spPr>
+          <a:xfrm>
+            <a:off x="561109" y="6220691"/>
+            <a:ext cx="9941173" cy="374074"/>
+          </a:xfrm>
+        </p:spPr>
+        <p:txBody>
+          <a:bodyPr/>
+          <a:lstStyle/>
+          <a:p>
+            <a:r>
+              <a:rPr lang="en-US" sz="2400" dirty="0">
+                <a:solidFill>
+                  <a:schemeClr val="tx1"/>
+                </a:solidFill>
+              </a:rPr>
+              <a:t>https://github.com/JimWright4089/FIRSTWorkshops/FTC/2020</a:t>
+            </a:r>
+          </a:p>
+        </p:txBody>
+      </p:sp>
+      <p:pic>
+        <p:nvPicPr>
+          <p:cNvPr id="8" name="Picture 7">
+            <a:extLst>
+              <a:ext uri="{FF2B5EF4-FFF2-40B4-BE49-F238E27FC236}">
+                <a16:creationId xmlns:a16="http://schemas.microsoft.com/office/drawing/2014/main" id="{4476F43F-74AE-47B2-A505-01826F97BDCD}"/>
+              </a:ext>
+            </a:extLst>
+          </p:cNvPr>
+          <p:cNvPicPr>
+            <a:picLocks noChangeAspect="1"/>
+          </p:cNvPicPr>
+          <p:nvPr/>
+        </p:nvPicPr>
+        <p:blipFill>
+          <a:blip r:embed="rId2"/>
+          <a:stretch>
+            <a:fillRect/>
+          </a:stretch>
+        </p:blipFill>
+        <p:spPr>
+          <a:xfrm>
+            <a:off x="4918472" y="1881523"/>
+            <a:ext cx="6679406" cy="3879056"/>
+          </a:xfrm>
+          <a:prstGeom prst="rect">
+            <a:avLst/>
+          </a:prstGeom>
+        </p:spPr>
+      </p:pic>
+    </p:spTree>
+    <p:extLst>
+      <p:ext uri="{BB962C8B-B14F-4D97-AF65-F5344CB8AC3E}">
+        <p14:creationId xmlns:p14="http://schemas.microsoft.com/office/powerpoint/2010/main" val="129217299"/>
+      </p:ext>
+    </p:extLst>
+  </p:cSld>
+  <p:clrMapOvr>
+    <a:masterClrMapping/>
+  </p:clrMapOvr>
+</p:sld>
+</file>
+
+<file path=ppt/slides/slide9.xml><?xml version="1.0" encoding="utf-8"?>
+<p:sld xmlns:a="http://schemas.openxmlformats.org/drawingml/2006/main" xmlns:r="http://schemas.openxmlformats.org/officeDocument/2006/relationships" xmlns:p="http://schemas.openxmlformats.org/presentationml/2006/main">
+  <p:cSld>
+    <p:spTree>
+      <p:nvGrpSpPr>
+        <p:cNvPr id="1" name=""/>
+        <p:cNvGrpSpPr/>
+        <p:nvPr/>
+      </p:nvGrpSpPr>
+      <p:grpSpPr>
+        <a:xfrm>
+          <a:off x="0" y="0"/>
+          <a:ext cx="0" cy="0"/>
+          <a:chOff x="0" y="0"/>
+          <a:chExt cx="0" cy="0"/>
+        </a:xfrm>
+      </p:grpSpPr>
+      <p:sp>
+        <p:nvSpPr>
+          <p:cNvPr id="2" name="Title 1">
+            <a:extLst>
+              <a:ext uri="{FF2B5EF4-FFF2-40B4-BE49-F238E27FC236}">
+                <a16:creationId xmlns:a16="http://schemas.microsoft.com/office/drawing/2014/main" id="{CC4A3FAA-0E02-4277-9A18-5E14BC20FA27}"/>
+              </a:ext>
+            </a:extLst>
+          </p:cNvPr>
+          <p:cNvSpPr>
+            <a:spLocks noGrp="1"/>
+          </p:cNvSpPr>
+          <p:nvPr>
+            <p:ph type="title"/>
+          </p:nvPr>
+        </p:nvSpPr>
+        <p:spPr/>
+        <p:txBody>
+          <a:bodyPr/>
+          <a:lstStyle/>
+          <a:p>
+            <a:r>
+              <a:rPr lang="en-US" dirty="0"/>
+              <a:t>C</a:t>
+            </a:r>
+            <a:r>
+              <a:rPr lang="en-US" sz="3600" dirty="0"/>
+              <a:t>ut and paste</a:t>
+            </a:r>
+          </a:p>
+        </p:txBody>
+      </p:sp>
+      <p:sp>
+        <p:nvSpPr>
+          <p:cNvPr id="3" name="Content Placeholder 2">
+            <a:extLst>
+              <a:ext uri="{FF2B5EF4-FFF2-40B4-BE49-F238E27FC236}">
+                <a16:creationId xmlns:a16="http://schemas.microsoft.com/office/drawing/2014/main" id="{B50147CF-DAA8-4BEB-A969-D6D9FECE042F}"/>
+              </a:ext>
+            </a:extLst>
+          </p:cNvPr>
+          <p:cNvSpPr>
+            <a:spLocks noGrp="1"/>
+          </p:cNvSpPr>
+          <p:nvPr>
+            <p:ph idx="1"/>
+          </p:nvPr>
+        </p:nvSpPr>
+        <p:spPr>
+          <a:xfrm>
+            <a:off x="1154955" y="2603500"/>
+            <a:ext cx="3512296" cy="3416300"/>
+          </a:xfrm>
+        </p:spPr>
+        <p:txBody>
+          <a:bodyPr>
+            <a:normAutofit/>
+          </a:bodyPr>
+          <a:lstStyle/>
+          <a:p>
+            <a:r>
+              <a:rPr lang="en-US" sz="3200" dirty="0"/>
+              <a:t>Enter the name of the program, and select Not an </a:t>
+            </a:r>
+            <a:r>
+              <a:rPr lang="en-US" sz="3200" dirty="0" err="1"/>
+              <a:t>Opmode</a:t>
+            </a:r>
+            <a:endParaRPr lang="en-US" sz="3200" dirty="0"/>
+          </a:p>
+          <a:p>
+            <a:endParaRPr lang="en-US" sz="3200" dirty="0"/>
+          </a:p>
+        </p:txBody>
+      </p:sp>
+      <p:sp>
+        <p:nvSpPr>
+          <p:cNvPr id="5" name="Footer Placeholder 4">
+            <a:extLst>
+              <a:ext uri="{FF2B5EF4-FFF2-40B4-BE49-F238E27FC236}">
+                <a16:creationId xmlns:a16="http://schemas.microsoft.com/office/drawing/2014/main" id="{1209DE18-B503-447F-B441-01DF56C608A2}"/>
+              </a:ext>
+            </a:extLst>
+          </p:cNvPr>
+          <p:cNvSpPr>
+            <a:spLocks noGrp="1"/>
+          </p:cNvSpPr>
+          <p:nvPr>
+            <p:ph type="ftr" sz="quarter" idx="11"/>
+          </p:nvPr>
+        </p:nvSpPr>
+        <p:spPr>
+          <a:xfrm>
+            <a:off x="561109" y="6220691"/>
+            <a:ext cx="9941173" cy="374074"/>
+          </a:xfrm>
+        </p:spPr>
+        <p:txBody>
+          <a:bodyPr/>
+          <a:lstStyle/>
+          <a:p>
+            <a:r>
+              <a:rPr lang="en-US" sz="2400" dirty="0">
+                <a:solidFill>
+                  <a:schemeClr val="tx1"/>
+                </a:solidFill>
+              </a:rPr>
+              <a:t>https://github.com/JimWright4089/FIRSTWorkshops/FTC/2020</a:t>
+            </a:r>
+          </a:p>
+        </p:txBody>
+      </p:sp>
+      <p:pic>
+        <p:nvPicPr>
+          <p:cNvPr id="6" name="Picture 5">
+            <a:extLst>
+              <a:ext uri="{FF2B5EF4-FFF2-40B4-BE49-F238E27FC236}">
+                <a16:creationId xmlns:a16="http://schemas.microsoft.com/office/drawing/2014/main" id="{05BE4F2A-AD4A-45F8-B152-B03B5DDE6777}"/>
+              </a:ext>
+            </a:extLst>
+          </p:cNvPr>
+          <p:cNvPicPr>
+            <a:picLocks noChangeAspect="1"/>
+          </p:cNvPicPr>
+          <p:nvPr/>
+        </p:nvPicPr>
+        <p:blipFill>
+          <a:blip r:embed="rId2"/>
+          <a:stretch>
+            <a:fillRect/>
+          </a:stretch>
+        </p:blipFill>
+        <p:spPr>
+          <a:xfrm>
+            <a:off x="6096000" y="1035628"/>
+            <a:ext cx="5107781" cy="5372100"/>
+          </a:xfrm>
+          <a:prstGeom prst="rect">
+            <a:avLst/>
+          </a:prstGeom>
+        </p:spPr>
+      </p:pic>
+    </p:spTree>
+    <p:extLst>
+      <p:ext uri="{BB962C8B-B14F-4D97-AF65-F5344CB8AC3E}">
+        <p14:creationId xmlns:p14="http://schemas.microsoft.com/office/powerpoint/2010/main" val="2883488091"/>
       </p:ext>
     </p:extLst>
   </p:cSld>
